--- a/source/Security/images_SessionManagement/SpringSecuritySessionManagement.pptx
+++ b/source/Security/images_SessionManagement/SpringSecuritySessionManagement.pptx
@@ -209,7 +209,7 @@
             <a:fld id="{3BB47352-BF5A-4CD2-B029-996118CD8E01}" type="datetimeFigureOut">
               <a:rPr kumimoji="1" lang="ja-JP" altLang="en-US" smtClean="0"/>
               <a:pPr/>
-              <a:t>2015/10/15</a:t>
+              <a:t>2016/1/14</a:t>
             </a:fld>
             <a:endParaRPr kumimoji="1" lang="ja-JP" altLang="en-US"/>
           </a:p>
@@ -692,7 +692,7 @@
             <a:fld id="{7B9B12EC-6AA0-374B-A2D3-850081A07A26}" type="datetimeFigureOut">
               <a:rPr kumimoji="1" lang="ja-JP" altLang="en-US" smtClean="0"/>
               <a:pPr/>
-              <a:t>2015/10/15</a:t>
+              <a:t>2016/1/14</a:t>
             </a:fld>
             <a:endParaRPr kumimoji="1" lang="ja-JP" altLang="en-US"/>
           </a:p>
@@ -896,7 +896,7 @@
             <a:fld id="{7B9B12EC-6AA0-374B-A2D3-850081A07A26}" type="datetimeFigureOut">
               <a:rPr kumimoji="1" lang="ja-JP" altLang="en-US" smtClean="0"/>
               <a:pPr/>
-              <a:t>2015/10/15</a:t>
+              <a:t>2016/1/14</a:t>
             </a:fld>
             <a:endParaRPr kumimoji="1" lang="ja-JP" altLang="en-US"/>
           </a:p>
@@ -1110,7 +1110,7 @@
             <a:fld id="{7B9B12EC-6AA0-374B-A2D3-850081A07A26}" type="datetimeFigureOut">
               <a:rPr kumimoji="1" lang="ja-JP" altLang="en-US" smtClean="0"/>
               <a:pPr/>
-              <a:t>2015/10/15</a:t>
+              <a:t>2016/1/14</a:t>
             </a:fld>
             <a:endParaRPr kumimoji="1" lang="ja-JP" altLang="en-US"/>
           </a:p>
@@ -1314,7 +1314,7 @@
             <a:fld id="{7B9B12EC-6AA0-374B-A2D3-850081A07A26}" type="datetimeFigureOut">
               <a:rPr kumimoji="1" lang="ja-JP" altLang="en-US" smtClean="0"/>
               <a:pPr/>
-              <a:t>2015/10/15</a:t>
+              <a:t>2016/1/14</a:t>
             </a:fld>
             <a:endParaRPr kumimoji="1" lang="ja-JP" altLang="en-US"/>
           </a:p>
@@ -1562,7 +1562,7 @@
             <a:fld id="{7B9B12EC-6AA0-374B-A2D3-850081A07A26}" type="datetimeFigureOut">
               <a:rPr kumimoji="1" lang="ja-JP" altLang="en-US" smtClean="0"/>
               <a:pPr/>
-              <a:t>2015/10/15</a:t>
+              <a:t>2016/1/14</a:t>
             </a:fld>
             <a:endParaRPr kumimoji="1" lang="ja-JP" altLang="en-US"/>
           </a:p>
@@ -1916,7 +1916,7 @@
             <a:fld id="{7B9B12EC-6AA0-374B-A2D3-850081A07A26}" type="datetimeFigureOut">
               <a:rPr kumimoji="1" lang="ja-JP" altLang="en-US" smtClean="0"/>
               <a:pPr/>
-              <a:t>2015/10/15</a:t>
+              <a:t>2016/1/14</a:t>
             </a:fld>
             <a:endParaRPr kumimoji="1" lang="ja-JP" altLang="en-US"/>
           </a:p>
@@ -2404,7 +2404,7 @@
             <a:fld id="{7B9B12EC-6AA0-374B-A2D3-850081A07A26}" type="datetimeFigureOut">
               <a:rPr kumimoji="1" lang="ja-JP" altLang="en-US" smtClean="0"/>
               <a:pPr/>
-              <a:t>2015/10/15</a:t>
+              <a:t>2016/1/14</a:t>
             </a:fld>
             <a:endParaRPr kumimoji="1" lang="ja-JP" altLang="en-US"/>
           </a:p>
@@ -2524,7 +2524,7 @@
             <a:fld id="{7B9B12EC-6AA0-374B-A2D3-850081A07A26}" type="datetimeFigureOut">
               <a:rPr kumimoji="1" lang="ja-JP" altLang="en-US" smtClean="0"/>
               <a:pPr/>
-              <a:t>2015/10/15</a:t>
+              <a:t>2016/1/14</a:t>
             </a:fld>
             <a:endParaRPr kumimoji="1" lang="ja-JP" altLang="en-US"/>
           </a:p>
@@ -2621,7 +2621,7 @@
             <a:fld id="{7B9B12EC-6AA0-374B-A2D3-850081A07A26}" type="datetimeFigureOut">
               <a:rPr kumimoji="1" lang="ja-JP" altLang="en-US" smtClean="0"/>
               <a:pPr/>
-              <a:t>2015/10/15</a:t>
+              <a:t>2016/1/14</a:t>
             </a:fld>
             <a:endParaRPr kumimoji="1" lang="ja-JP" altLang="en-US"/>
           </a:p>
@@ -2932,7 +2932,7 @@
             <a:fld id="{7B9B12EC-6AA0-374B-A2D3-850081A07A26}" type="datetimeFigureOut">
               <a:rPr kumimoji="1" lang="ja-JP" altLang="en-US" smtClean="0"/>
               <a:pPr/>
-              <a:t>2015/10/15</a:t>
+              <a:t>2016/1/14</a:t>
             </a:fld>
             <a:endParaRPr kumimoji="1" lang="ja-JP" altLang="en-US"/>
           </a:p>
@@ -3187,7 +3187,7 @@
             <a:fld id="{7B9B12EC-6AA0-374B-A2D3-850081A07A26}" type="datetimeFigureOut">
               <a:rPr kumimoji="1" lang="ja-JP" altLang="en-US" smtClean="0"/>
               <a:pPr/>
-              <a:t>2015/10/15</a:t>
+              <a:t>2016/1/14</a:t>
             </a:fld>
             <a:endParaRPr kumimoji="1" lang="ja-JP" altLang="en-US"/>
           </a:p>
@@ -3434,7 +3434,7 @@
             <a:fld id="{7B9B12EC-6AA0-374B-A2D3-850081A07A26}" type="datetimeFigureOut">
               <a:rPr kumimoji="1" lang="ja-JP" altLang="en-US" smtClean="0"/>
               <a:pPr/>
-              <a:t>2015/10/15</a:t>
+              <a:t>2016/1/14</a:t>
             </a:fld>
             <a:endParaRPr kumimoji="1" lang="ja-JP" altLang="en-US"/>
           </a:p>
@@ -3916,7 +3916,7 @@
           <a:p>
             <a:pPr algn="ctr"/>
             <a:r>
-              <a:rPr lang="ja-JP" altLang="en-US" dirty="0" smtClean="0">
+              <a:rPr lang="en-US" altLang="ja-JP" dirty="0" smtClean="0">
                 <a:solidFill>
                   <a:schemeClr val="tx1">
                     <a:lumMod val="75000"/>
@@ -3926,23 +3926,13 @@
                 <a:latin typeface="HGP創英角ｺﾞｼｯｸUB" panose="020B0900000000000000" pitchFamily="50" charset="-128"/>
                 <a:ea typeface="HGP創英角ｺﾞｼｯｸUB" panose="020B0900000000000000" pitchFamily="50" charset="-128"/>
               </a:rPr>
-              <a:t>認証</a:t>
-            </a:r>
-            <a:endParaRPr lang="en-US" altLang="ja-JP" dirty="0" smtClean="0">
-              <a:solidFill>
-                <a:schemeClr val="tx1">
-                  <a:lumMod val="75000"/>
-                  <a:lumOff val="25000"/>
-                </a:schemeClr>
-              </a:solidFill>
-              <a:latin typeface="HGP創英角ｺﾞｼｯｸUB" panose="020B0900000000000000" pitchFamily="50" charset="-128"/>
-              <a:ea typeface="HGP創英角ｺﾞｼｯｸUB" panose="020B0900000000000000" pitchFamily="50" charset="-128"/>
-            </a:endParaRPr>
+              <a:t>Authentication</a:t>
+            </a:r>
           </a:p>
           <a:p>
             <a:pPr algn="ctr"/>
             <a:r>
-              <a:rPr lang="ja-JP" altLang="en-US" dirty="0" smtClean="0">
+              <a:rPr lang="en-US" altLang="ja-JP" dirty="0" smtClean="0">
                 <a:solidFill>
                   <a:schemeClr val="tx1">
                     <a:lumMod val="75000"/>
@@ -3952,7 +3942,7 @@
                 <a:latin typeface="HGP創英角ｺﾞｼｯｸUB" panose="020B0900000000000000" pitchFamily="50" charset="-128"/>
                 <a:ea typeface="HGP創英角ｺﾞｼｯｸUB" panose="020B0900000000000000" pitchFamily="50" charset="-128"/>
               </a:rPr>
-              <a:t>フィルタ</a:t>
+              <a:t>Filter</a:t>
             </a:r>
             <a:endParaRPr lang="en-US" altLang="ja-JP" dirty="0">
               <a:solidFill>
@@ -4571,8 +4561,9 @@
           </a:bodyPr>
           <a:lstStyle/>
           <a:p>
-            <a:r>
-              <a:rPr kumimoji="1" lang="ja-JP" altLang="en-US" sz="1600" b="1" dirty="0" smtClean="0">
+            <a:pPr algn="ctr"/>
+            <a:r>
+              <a:rPr kumimoji="1" lang="en-US" altLang="ja-JP" sz="1600" b="1" dirty="0" smtClean="0">
                 <a:solidFill>
                   <a:schemeClr val="tx1">
                     <a:lumMod val="75000"/>
@@ -4582,7 +4573,7 @@
                 <a:latin typeface="HGP創英角ｺﾞｼｯｸUB" panose="020B0900000000000000" pitchFamily="50" charset="-128"/>
                 <a:ea typeface="HGP創英角ｺﾞｼｯｸUB" panose="020B0900000000000000" pitchFamily="50" charset="-128"/>
               </a:rPr>
-              <a:t>クライアント</a:t>
+              <a:t>Client</a:t>
             </a:r>
             <a:endParaRPr kumimoji="1" lang="ja-JP" altLang="en-US" sz="1600" b="1" dirty="0">
               <a:solidFill>
@@ -5186,7 +5177,7 @@
           <a:p>
             <a:pPr algn="ctr"/>
             <a:r>
-              <a:rPr lang="ja-JP" altLang="en-US" dirty="0" smtClean="0">
+              <a:rPr lang="en-US" altLang="ja-JP" sz="1600" dirty="0" smtClean="0">
                 <a:solidFill>
                   <a:schemeClr val="tx1">
                     <a:lumMod val="75000"/>
@@ -5196,9 +5187,9 @@
                 <a:latin typeface="HGP創英角ｺﾞｼｯｸUB" panose="020B0900000000000000" pitchFamily="50" charset="-128"/>
                 <a:ea typeface="HGP創英角ｺﾞｼｯｸUB" panose="020B0900000000000000" pitchFamily="50" charset="-128"/>
               </a:rPr>
-              <a:t>認証成功後のセッション制御</a:t>
-            </a:r>
-            <a:endParaRPr kumimoji="1" lang="ja-JP" altLang="en-US" dirty="0">
+              <a:t>Control session after authentication</a:t>
+            </a:r>
+            <a:endParaRPr kumimoji="1" lang="ja-JP" altLang="en-US" sz="1600" dirty="0">
               <a:solidFill>
                 <a:schemeClr val="tx1">
                   <a:lumMod val="75000"/>
@@ -5688,8 +5679,8 @@
         </p:nvSpPr>
         <p:spPr>
           <a:xfrm>
-            <a:off x="6418776" y="1432751"/>
-            <a:ext cx="2257679" cy="1178477"/>
+            <a:off x="6352787" y="1432751"/>
+            <a:ext cx="2473704" cy="1178477"/>
           </a:xfrm>
           <a:prstGeom prst="wedgeEllipseCallout">
             <a:avLst>
@@ -5733,7 +5724,7 @@
           <a:p>
             <a:pPr algn="ctr"/>
             <a:r>
-              <a:rPr kumimoji="1" lang="en-US" altLang="ja-JP" dirty="0" smtClean="0">
+              <a:rPr lang="en-US" altLang="ja-JP" sz="1600" dirty="0">
                 <a:solidFill>
                   <a:schemeClr val="tx1">
                     <a:lumMod val="75000"/>
@@ -5746,7 +5737,7 @@
               <a:t>【</a:t>
             </a:r>
             <a:r>
-              <a:rPr kumimoji="1" lang="ja-JP" altLang="en-US" dirty="0" smtClean="0">
+              <a:rPr lang="en-US" altLang="ja-JP" sz="1600" dirty="0" smtClean="0">
                 <a:solidFill>
                   <a:schemeClr val="tx1">
                     <a:lumMod val="75000"/>
@@ -5756,10 +5747,23 @@
                 <a:latin typeface="HGP創英角ｺﾞｼｯｸUB" panose="020B0900000000000000" pitchFamily="50" charset="-128"/>
                 <a:ea typeface="HGP創英角ｺﾞｼｯｸUB" panose="020B0900000000000000" pitchFamily="50" charset="-128"/>
               </a:rPr>
-              <a:t>拡張ポイント</a:t>
-            </a:r>
-            <a:r>
-              <a:rPr kumimoji="1" lang="en-US" altLang="ja-JP" dirty="0" smtClean="0">
+              <a:t>Extension point】</a:t>
+            </a:r>
+            <a:endParaRPr kumimoji="1" lang="en-US" altLang="ja-JP" sz="1600" dirty="0" smtClean="0">
+              <a:solidFill>
+                <a:schemeClr val="tx1">
+                  <a:lumMod val="75000"/>
+                  <a:lumOff val="25000"/>
+                </a:schemeClr>
+              </a:solidFill>
+              <a:latin typeface="HGP創英角ｺﾞｼｯｸUB" panose="020B0900000000000000" pitchFamily="50" charset="-128"/>
+              <a:ea typeface="HGP創英角ｺﾞｼｯｸUB" panose="020B0900000000000000" pitchFamily="50" charset="-128"/>
+            </a:endParaRPr>
+          </a:p>
+          <a:p>
+            <a:pPr algn="ctr"/>
+            <a:r>
+              <a:rPr lang="en-US" altLang="ja-JP" sz="1600" dirty="0">
                 <a:solidFill>
                   <a:schemeClr val="tx1">
                     <a:lumMod val="75000"/>
@@ -5769,13 +5773,10 @@
                 <a:latin typeface="HGP創英角ｺﾞｼｯｸUB" panose="020B0900000000000000" pitchFamily="50" charset="-128"/>
                 <a:ea typeface="HGP創英角ｺﾞｼｯｸUB" panose="020B0900000000000000" pitchFamily="50" charset="-128"/>
               </a:rPr>
-              <a:t>】</a:t>
-            </a:r>
-          </a:p>
-          <a:p>
-            <a:pPr algn="ctr"/>
-            <a:r>
-              <a:rPr kumimoji="1" lang="ja-JP" altLang="en-US" dirty="0" smtClean="0">
+              <a:t>Default i</a:t>
+            </a:r>
+            <a:r>
+              <a:rPr lang="en-US" altLang="ja-JP" sz="1600" dirty="0" smtClean="0">
                 <a:solidFill>
                   <a:schemeClr val="tx1">
                     <a:lumMod val="75000"/>
@@ -5785,9 +5786,22 @@
                 <a:latin typeface="HGP創英角ｺﾞｼｯｸUB" panose="020B0900000000000000" pitchFamily="50" charset="-128"/>
                 <a:ea typeface="HGP創英角ｺﾞｼｯｸUB" panose="020B0900000000000000" pitchFamily="50" charset="-128"/>
               </a:rPr>
-              <a:t>デフォルトはインメモリ実装</a:t>
-            </a:r>
-            <a:endParaRPr kumimoji="1" lang="en-US" altLang="ja-JP" dirty="0" smtClean="0">
+              <a:t>mplementation is </a:t>
+            </a:r>
+            <a:r>
+              <a:rPr lang="en-US" altLang="ja-JP" sz="1600" dirty="0">
+                <a:solidFill>
+                  <a:schemeClr val="tx1">
+                    <a:lumMod val="75000"/>
+                    <a:lumOff val="25000"/>
+                  </a:schemeClr>
+                </a:solidFill>
+                <a:latin typeface="HGP創英角ｺﾞｼｯｸUB" panose="020B0900000000000000" pitchFamily="50" charset="-128"/>
+                <a:ea typeface="HGP創英角ｺﾞｼｯｸUB" panose="020B0900000000000000" pitchFamily="50" charset="-128"/>
+              </a:rPr>
+              <a:t>in-memory</a:t>
+            </a:r>
+            <a:endParaRPr kumimoji="1" lang="en-US" altLang="ja-JP" sz="1600" dirty="0" smtClean="0">
               <a:solidFill>
                 <a:schemeClr val="tx1">
                   <a:lumMod val="75000"/>
@@ -5925,8 +5939,8 @@
         </p:nvSpPr>
         <p:spPr>
           <a:xfrm>
-            <a:off x="7106220" y="5302325"/>
-            <a:ext cx="1872208" cy="1205085"/>
+            <a:off x="7106220" y="5302326"/>
+            <a:ext cx="1872208" cy="900512"/>
           </a:xfrm>
           <a:prstGeom prst="wedgeEllipseCallout">
             <a:avLst>
@@ -5970,7 +5984,7 @@
           <a:p>
             <a:pPr algn="ctr"/>
             <a:r>
-              <a:rPr lang="ja-JP" altLang="en-US" dirty="0" smtClean="0">
+              <a:rPr lang="en-US" altLang="ja-JP" sz="1600" dirty="0">
                 <a:solidFill>
                   <a:schemeClr val="tx1">
                     <a:lumMod val="75000"/>
@@ -5980,61 +5994,9 @@
                 <a:latin typeface="HGP創英角ｺﾞｼｯｸUB" panose="020B0900000000000000" pitchFamily="50" charset="-128"/>
                 <a:ea typeface="HGP創英角ｺﾞｼｯｸUB" panose="020B0900000000000000" pitchFamily="50" charset="-128"/>
               </a:rPr>
-              <a:t>多重ログイン制御用の</a:t>
-            </a:r>
-            <a:endParaRPr lang="en-US" altLang="ja-JP" dirty="0" smtClean="0">
-              <a:solidFill>
-                <a:schemeClr val="tx1">
-                  <a:lumMod val="75000"/>
-                  <a:lumOff val="25000"/>
-                </a:schemeClr>
-              </a:solidFill>
-              <a:latin typeface="HGP創英角ｺﾞｼｯｸUB" panose="020B0900000000000000" pitchFamily="50" charset="-128"/>
-              <a:ea typeface="HGP創英角ｺﾞｼｯｸUB" panose="020B0900000000000000" pitchFamily="50" charset="-128"/>
-            </a:endParaRPr>
-          </a:p>
-          <a:p>
-            <a:pPr algn="ctr"/>
-            <a:r>
-              <a:rPr lang="ja-JP" altLang="en-US" dirty="0" smtClean="0">
-                <a:solidFill>
-                  <a:schemeClr val="tx1">
-                    <a:lumMod val="75000"/>
-                    <a:lumOff val="25000"/>
-                  </a:schemeClr>
-                </a:solidFill>
-                <a:latin typeface="HGP創英角ｺﾞｼｯｸUB" panose="020B0900000000000000" pitchFamily="50" charset="-128"/>
-                <a:ea typeface="HGP創英角ｺﾞｼｯｸUB" panose="020B0900000000000000" pitchFamily="50" charset="-128"/>
-              </a:rPr>
-              <a:t>セッション</a:t>
-            </a:r>
-            <a:endParaRPr lang="en-US" altLang="ja-JP" dirty="0" smtClean="0">
-              <a:solidFill>
-                <a:schemeClr val="tx1">
-                  <a:lumMod val="75000"/>
-                  <a:lumOff val="25000"/>
-                </a:schemeClr>
-              </a:solidFill>
-              <a:latin typeface="HGP創英角ｺﾞｼｯｸUB" panose="020B0900000000000000" pitchFamily="50" charset="-128"/>
-              <a:ea typeface="HGP創英角ｺﾞｼｯｸUB" panose="020B0900000000000000" pitchFamily="50" charset="-128"/>
-            </a:endParaRPr>
-          </a:p>
-          <a:p>
-            <a:pPr algn="ctr"/>
-            <a:r>
-              <a:rPr lang="ja-JP" altLang="en-US" dirty="0" smtClean="0">
-                <a:solidFill>
-                  <a:schemeClr val="tx1">
-                    <a:lumMod val="75000"/>
-                    <a:lumOff val="25000"/>
-                  </a:schemeClr>
-                </a:solidFill>
-                <a:latin typeface="HGP創英角ｺﾞｼｯｸUB" panose="020B0900000000000000" pitchFamily="50" charset="-128"/>
-                <a:ea typeface="HGP創英角ｺﾞｼｯｸUB" panose="020B0900000000000000" pitchFamily="50" charset="-128"/>
-              </a:rPr>
-              <a:t>情報</a:t>
-            </a:r>
-            <a:endParaRPr kumimoji="1" lang="en-US" altLang="ja-JP" dirty="0" smtClean="0">
+              <a:t>For multiple login control</a:t>
+            </a:r>
+            <a:endParaRPr kumimoji="1" lang="en-US" altLang="ja-JP" sz="1600" dirty="0" smtClean="0">
               <a:solidFill>
                 <a:schemeClr val="tx1">
                   <a:lumMod val="75000"/>
